--- a/Adobe Data Engineer Applicant Assessment - Shobe.pptx
+++ b/Adobe Data Engineer Applicant Assessment - Shobe.pptx
@@ -3716,7 +3716,7 @@
           <a:p>
             <a:r>
               <a:rPr lang="en-IN" altLang="en-US"/>
-              <a:t>Search to Order should have happened within definite time. Otherwise revenue will not factored for the search engine</a:t>
+              <a:t>Search to Order should have happened within definite time. Otherwise revenue will not factored for the search engine. As part of the code I have considered as 24 hours from search to </a:t>
             </a:r>
             <a:endParaRPr lang="en-IN" altLang="en-US"/>
           </a:p>
